--- a/_resources_raw/Universities_Logo.pptx
+++ b/_resources_raw/Universities_Logo.pptx
@@ -7,7 +7,7 @@
   <p:sldIdLst>
     <p:sldId id="256" r:id="rId2"/>
   </p:sldIdLst>
-  <p:sldSz cx="9720263" cy="1801813"/>
+  <p:sldSz cx="9720263" cy="1079500"/>
   <p:notesSz cx="6858000" cy="9144000"/>
   <p:defaultTextStyle>
     <a:defPPr>
@@ -136,8 +136,8 @@
         </p:nvSpPr>
         <p:spPr>
           <a:xfrm>
-            <a:off x="729020" y="559731"/>
-            <a:ext cx="8262224" cy="386222"/>
+            <a:off x="729020" y="335345"/>
+            <a:ext cx="8262224" cy="231393"/>
           </a:xfrm>
         </p:spPr>
         <p:txBody>
@@ -164,8 +164,8 @@
         </p:nvSpPr>
         <p:spPr>
           <a:xfrm>
-            <a:off x="1458040" y="1021030"/>
-            <a:ext cx="6804184" cy="460463"/>
+            <a:off x="1458040" y="611719"/>
+            <a:ext cx="6804184" cy="275872"/>
           </a:xfrm>
         </p:spPr>
         <p:txBody>
@@ -548,8 +548,8 @@
         </p:nvSpPr>
         <p:spPr>
           <a:xfrm>
-            <a:off x="7047191" y="72159"/>
-            <a:ext cx="2187060" cy="1537381"/>
+            <a:off x="7047191" y="43232"/>
+            <a:ext cx="2187060" cy="921074"/>
           </a:xfrm>
         </p:spPr>
         <p:txBody>
@@ -576,8 +576,8 @@
         </p:nvSpPr>
         <p:spPr>
           <a:xfrm>
-            <a:off x="486013" y="72159"/>
-            <a:ext cx="6399173" cy="1537381"/>
+            <a:off x="486015" y="43232"/>
+            <a:ext cx="6399173" cy="921074"/>
           </a:xfrm>
         </p:spPr>
         <p:txBody>
@@ -898,8 +898,8 @@
         </p:nvSpPr>
         <p:spPr>
           <a:xfrm>
-            <a:off x="767834" y="1157832"/>
-            <a:ext cx="8262224" cy="357860"/>
+            <a:off x="767834" y="693678"/>
+            <a:ext cx="8262224" cy="214401"/>
           </a:xfrm>
         </p:spPr>
         <p:txBody>
@@ -930,8 +930,8 @@
         </p:nvSpPr>
         <p:spPr>
           <a:xfrm>
-            <a:off x="767834" y="763685"/>
-            <a:ext cx="8262224" cy="394147"/>
+            <a:off x="767834" y="457539"/>
+            <a:ext cx="8262224" cy="236141"/>
           </a:xfrm>
         </p:spPr>
         <p:txBody>
@@ -1167,8 +1167,8 @@
         </p:nvSpPr>
         <p:spPr>
           <a:xfrm>
-            <a:off x="486014" y="420424"/>
-            <a:ext cx="4293115" cy="1189113"/>
+            <a:off x="486014" y="251884"/>
+            <a:ext cx="4293115" cy="712420"/>
           </a:xfrm>
         </p:spPr>
         <p:txBody>
@@ -1252,8 +1252,8 @@
         </p:nvSpPr>
         <p:spPr>
           <a:xfrm>
-            <a:off x="4941135" y="420424"/>
-            <a:ext cx="4293115" cy="1189113"/>
+            <a:off x="4941137" y="251884"/>
+            <a:ext cx="4293115" cy="712420"/>
           </a:xfrm>
         </p:spPr>
         <p:txBody>
@@ -1459,8 +1459,8 @@
         </p:nvSpPr>
         <p:spPr>
           <a:xfrm>
-            <a:off x="486014" y="403323"/>
-            <a:ext cx="4294804" cy="168086"/>
+            <a:off x="486014" y="241639"/>
+            <a:ext cx="4294804" cy="100703"/>
           </a:xfrm>
         </p:spPr>
         <p:txBody>
@@ -1524,8 +1524,8 @@
         </p:nvSpPr>
         <p:spPr>
           <a:xfrm>
-            <a:off x="486014" y="571408"/>
-            <a:ext cx="4294804" cy="1038128"/>
+            <a:off x="486014" y="342341"/>
+            <a:ext cx="4294804" cy="621962"/>
           </a:xfrm>
         </p:spPr>
         <p:txBody>
@@ -1609,8 +1609,8 @@
         </p:nvSpPr>
         <p:spPr>
           <a:xfrm>
-            <a:off x="4937762" y="403323"/>
-            <a:ext cx="4296491" cy="168086"/>
+            <a:off x="4937764" y="241639"/>
+            <a:ext cx="4296491" cy="100703"/>
           </a:xfrm>
         </p:spPr>
         <p:txBody>
@@ -1674,8 +1674,8 @@
         </p:nvSpPr>
         <p:spPr>
           <a:xfrm>
-            <a:off x="4937762" y="571408"/>
-            <a:ext cx="4296491" cy="1038128"/>
+            <a:off x="4937764" y="342341"/>
+            <a:ext cx="4296491" cy="621962"/>
           </a:xfrm>
         </p:spPr>
         <p:txBody>
@@ -2067,8 +2067,8 @@
         </p:nvSpPr>
         <p:spPr>
           <a:xfrm>
-            <a:off x="486015" y="71741"/>
-            <a:ext cx="3197900" cy="305307"/>
+            <a:off x="486015" y="42982"/>
+            <a:ext cx="3197900" cy="182915"/>
           </a:xfrm>
         </p:spPr>
         <p:txBody>
@@ -2099,8 +2099,8 @@
         </p:nvSpPr>
         <p:spPr>
           <a:xfrm>
-            <a:off x="3800352" y="71741"/>
-            <a:ext cx="5433897" cy="1537797"/>
+            <a:off x="3800354" y="42982"/>
+            <a:ext cx="5433897" cy="921323"/>
           </a:xfrm>
         </p:spPr>
         <p:txBody>
@@ -2184,8 +2184,8 @@
         </p:nvSpPr>
         <p:spPr>
           <a:xfrm>
-            <a:off x="486015" y="377049"/>
-            <a:ext cx="3197900" cy="1232491"/>
+            <a:off x="486015" y="225898"/>
+            <a:ext cx="3197900" cy="738409"/>
           </a:xfrm>
         </p:spPr>
         <p:txBody>
@@ -2344,8 +2344,8 @@
         </p:nvSpPr>
         <p:spPr>
           <a:xfrm>
-            <a:off x="1905240" y="1261269"/>
-            <a:ext cx="5832158" cy="148900"/>
+            <a:off x="1905240" y="755650"/>
+            <a:ext cx="5832158" cy="89209"/>
           </a:xfrm>
         </p:spPr>
         <p:txBody>
@@ -2376,8 +2376,8 @@
         </p:nvSpPr>
         <p:spPr>
           <a:xfrm>
-            <a:off x="1905240" y="160995"/>
-            <a:ext cx="5832158" cy="1081088"/>
+            <a:off x="1905240" y="96455"/>
+            <a:ext cx="5832158" cy="647700"/>
           </a:xfrm>
         </p:spPr>
         <p:txBody>
@@ -2437,8 +2437,8 @@
         </p:nvSpPr>
         <p:spPr>
           <a:xfrm>
-            <a:off x="1905240" y="1410170"/>
-            <a:ext cx="5832158" cy="211462"/>
+            <a:off x="1905240" y="844860"/>
+            <a:ext cx="5832158" cy="126691"/>
           </a:xfrm>
         </p:spPr>
         <p:txBody>
@@ -2602,8 +2602,8 @@
         </p:nvSpPr>
         <p:spPr>
           <a:xfrm>
-            <a:off x="486014" y="72156"/>
-            <a:ext cx="8748237" cy="300302"/>
+            <a:off x="486016" y="43230"/>
+            <a:ext cx="8748237" cy="179917"/>
           </a:xfrm>
           <a:prstGeom prst="rect">
             <a:avLst/>
@@ -2635,8 +2635,8 @@
         </p:nvSpPr>
         <p:spPr>
           <a:xfrm>
-            <a:off x="486014" y="420424"/>
-            <a:ext cx="8748237" cy="1189113"/>
+            <a:off x="486016" y="251884"/>
+            <a:ext cx="8748237" cy="712420"/>
           </a:xfrm>
           <a:prstGeom prst="rect">
             <a:avLst/>
@@ -2697,8 +2697,8 @@
         </p:nvSpPr>
         <p:spPr>
           <a:xfrm>
-            <a:off x="486014" y="1670014"/>
-            <a:ext cx="2268061" cy="95930"/>
+            <a:off x="486016" y="1000538"/>
+            <a:ext cx="2268061" cy="57473"/>
           </a:xfrm>
           <a:prstGeom prst="rect">
             <a:avLst/>
@@ -2738,8 +2738,8 @@
         </p:nvSpPr>
         <p:spPr>
           <a:xfrm>
-            <a:off x="3321090" y="1670014"/>
-            <a:ext cx="3078083" cy="95930"/>
+            <a:off x="3321092" y="1000538"/>
+            <a:ext cx="3078083" cy="57473"/>
           </a:xfrm>
           <a:prstGeom prst="rect">
             <a:avLst/>
@@ -2775,8 +2775,8 @@
         </p:nvSpPr>
         <p:spPr>
           <a:xfrm>
-            <a:off x="6966190" y="1670014"/>
-            <a:ext cx="2268061" cy="95930"/>
+            <a:off x="6966192" y="1000538"/>
+            <a:ext cx="2268061" cy="57473"/>
           </a:xfrm>
           <a:prstGeom prst="rect">
             <a:avLst/>
@@ -3097,7 +3097,7 @@
       </p:grpSpPr>
       <p:pic>
         <p:nvPicPr>
-          <p:cNvPr id="17" name="Picture 16" descr="logo_uni2.jpg"/>
+          <p:cNvPr id="11" name="Picture 10" descr="logo_uni2.jpg"/>
           <p:cNvPicPr>
             <a:picLocks noChangeAspect="1"/>
           </p:cNvPicPr>
@@ -3117,7 +3117,7 @@
         </p:blipFill>
         <p:spPr>
           <a:xfrm>
-            <a:off x="7406817" y="719244"/>
+            <a:off x="7579185" y="47990"/>
             <a:ext cx="2132822" cy="946973"/>
           </a:xfrm>
           <a:prstGeom prst="rect">
@@ -3127,7 +3127,7 @@
       </p:pic>
       <p:pic>
         <p:nvPicPr>
-          <p:cNvPr id="18" name="Picture 17" descr="newcastle_master_col.jpg"/>
+          <p:cNvPr id="12" name="Picture 11" descr="newcastle_master_col.jpg"/>
           <p:cNvPicPr>
             <a:picLocks noChangeAspect="1"/>
           </p:cNvPicPr>
@@ -3147,7 +3147,7 @@
         </p:blipFill>
         <p:spPr>
           <a:xfrm>
-            <a:off x="4516899" y="754764"/>
+            <a:off x="4417116" y="65368"/>
             <a:ext cx="2774256" cy="974481"/>
           </a:xfrm>
           <a:prstGeom prst="rect">
@@ -3157,7 +3157,7 @@
       </p:pic>
       <p:pic>
         <p:nvPicPr>
-          <p:cNvPr id="19" name="Picture 18" descr="reading_logo.png"/>
+          <p:cNvPr id="13" name="Picture 12" descr="reading_logo.png"/>
           <p:cNvPicPr>
             <a:picLocks noChangeAspect="1"/>
           </p:cNvPicPr>
@@ -3177,7 +3177,7 @@
         </p:blipFill>
         <p:spPr>
           <a:xfrm>
-            <a:off x="1505884" y="670711"/>
+            <a:off x="1161164" y="-543"/>
             <a:ext cx="2949917" cy="1073230"/>
           </a:xfrm>
           <a:prstGeom prst="rect">
@@ -3187,7 +3187,7 @@
       </p:pic>
       <p:pic>
         <p:nvPicPr>
-          <p:cNvPr id="20" name="Picture 19" descr="RResLogoR.jpg"/>
+          <p:cNvPr id="14" name="Picture 13" descr="RResLogoR.jpg"/>
           <p:cNvPicPr>
             <a:picLocks noChangeAspect="1"/>
           </p:cNvPicPr>
@@ -3207,50 +3207,14 @@
         </p:blipFill>
         <p:spPr>
           <a:xfrm>
-            <a:off x="108229" y="121170"/>
-            <a:ext cx="1197565" cy="1608075"/>
+            <a:off x="-1" y="0"/>
+            <a:ext cx="803925" cy="1079500"/>
           </a:xfrm>
           <a:prstGeom prst="rect">
             <a:avLst/>
           </a:prstGeom>
         </p:spPr>
       </p:pic>
-      <p:sp>
-        <p:nvSpPr>
-          <p:cNvPr id="21" name="TextBox 20"/>
-          <p:cNvSpPr txBox="1"/>
-          <p:nvPr/>
-        </p:nvSpPr>
-        <p:spPr>
-          <a:xfrm>
-            <a:off x="1387948" y="116746"/>
-            <a:ext cx="8332315" cy="477054"/>
-          </a:xfrm>
-          <a:prstGeom prst="rect">
-            <a:avLst/>
-          </a:prstGeom>
-          <a:noFill/>
-        </p:spPr>
-        <p:txBody>
-          <a:bodyPr wrap="square" rtlCol="0">
-            <a:spAutoFit/>
-          </a:bodyPr>
-          <a:lstStyle/>
-          <a:p>
-            <a:r>
-              <a:rPr lang="en-US" sz="2500" dirty="0" smtClean="0">
-                <a:latin typeface="Helvetica"/>
-                <a:cs typeface="Helvetica"/>
-              </a:rPr>
-              <a:t>Four institutions. One vision for black-grass management.</a:t>
-            </a:r>
-            <a:endParaRPr lang="en-US" sz="2500" dirty="0">
-              <a:latin typeface="Helvetica"/>
-              <a:cs typeface="Helvetica"/>
-            </a:endParaRPr>
-          </a:p>
-        </p:txBody>
-      </p:sp>
     </p:spTree>
     <p:extLst>
       <p:ext uri="{BB962C8B-B14F-4D97-AF65-F5344CB8AC3E}">

--- a/_resources_raw/Universities_Logo.pptx
+++ b/_resources_raw/Universities_Logo.pptx
@@ -7,7 +7,7 @@
   <p:sldIdLst>
     <p:sldId id="256" r:id="rId2"/>
   </p:sldIdLst>
-  <p:sldSz cx="9720263" cy="1079500"/>
+  <p:sldSz cx="11522075" cy="1079500"/>
   <p:notesSz cx="6858000" cy="9144000"/>
   <p:defaultTextStyle>
     <a:defPPr>
@@ -136,8 +136,8 @@
         </p:nvSpPr>
         <p:spPr>
           <a:xfrm>
-            <a:off x="729020" y="335345"/>
-            <a:ext cx="8262224" cy="231393"/>
+            <a:off x="864156" y="335346"/>
+            <a:ext cx="9793764" cy="231393"/>
           </a:xfrm>
         </p:spPr>
         <p:txBody>
@@ -164,8 +164,8 @@
         </p:nvSpPr>
         <p:spPr>
           <a:xfrm>
-            <a:off x="1458040" y="611719"/>
-            <a:ext cx="6804184" cy="275872"/>
+            <a:off x="1728312" y="611719"/>
+            <a:ext cx="8065452" cy="275872"/>
           </a:xfrm>
         </p:spPr>
         <p:txBody>
@@ -548,8 +548,8 @@
         </p:nvSpPr>
         <p:spPr>
           <a:xfrm>
-            <a:off x="7047191" y="43232"/>
-            <a:ext cx="2187060" cy="921074"/>
+            <a:off x="8353505" y="43232"/>
+            <a:ext cx="2592468" cy="921074"/>
           </a:xfrm>
         </p:spPr>
         <p:txBody>
@@ -576,8 +576,8 @@
         </p:nvSpPr>
         <p:spPr>
           <a:xfrm>
-            <a:off x="486015" y="43232"/>
-            <a:ext cx="6399173" cy="921074"/>
+            <a:off x="576106" y="43232"/>
+            <a:ext cx="7585366" cy="921074"/>
           </a:xfrm>
         </p:spPr>
         <p:txBody>
@@ -898,8 +898,8 @@
         </p:nvSpPr>
         <p:spPr>
           <a:xfrm>
-            <a:off x="767834" y="693678"/>
-            <a:ext cx="8262224" cy="214401"/>
+            <a:off x="910165" y="693679"/>
+            <a:ext cx="9793764" cy="214401"/>
           </a:xfrm>
         </p:spPr>
         <p:txBody>
@@ -930,8 +930,8 @@
         </p:nvSpPr>
         <p:spPr>
           <a:xfrm>
-            <a:off x="767834" y="457539"/>
-            <a:ext cx="8262224" cy="236141"/>
+            <a:off x="910165" y="457540"/>
+            <a:ext cx="9793764" cy="236141"/>
           </a:xfrm>
         </p:spPr>
         <p:txBody>
@@ -1167,8 +1167,8 @@
         </p:nvSpPr>
         <p:spPr>
           <a:xfrm>
-            <a:off x="486014" y="251884"/>
-            <a:ext cx="4293115" cy="712420"/>
+            <a:off x="576105" y="251884"/>
+            <a:ext cx="5088915" cy="712420"/>
           </a:xfrm>
         </p:spPr>
         <p:txBody>
@@ -1252,8 +1252,8 @@
         </p:nvSpPr>
         <p:spPr>
           <a:xfrm>
-            <a:off x="4941137" y="251884"/>
-            <a:ext cx="4293115" cy="712420"/>
+            <a:off x="5857059" y="251884"/>
+            <a:ext cx="5088915" cy="712420"/>
           </a:xfrm>
         </p:spPr>
         <p:txBody>
@@ -1459,8 +1459,8 @@
         </p:nvSpPr>
         <p:spPr>
           <a:xfrm>
-            <a:off x="486014" y="241639"/>
-            <a:ext cx="4294804" cy="100703"/>
+            <a:off x="576105" y="241640"/>
+            <a:ext cx="5090917" cy="100703"/>
           </a:xfrm>
         </p:spPr>
         <p:txBody>
@@ -1524,8 +1524,8 @@
         </p:nvSpPr>
         <p:spPr>
           <a:xfrm>
-            <a:off x="486014" y="342341"/>
-            <a:ext cx="4294804" cy="621962"/>
+            <a:off x="576105" y="342341"/>
+            <a:ext cx="5090917" cy="621962"/>
           </a:xfrm>
         </p:spPr>
         <p:txBody>
@@ -1609,8 +1609,8 @@
         </p:nvSpPr>
         <p:spPr>
           <a:xfrm>
-            <a:off x="4937764" y="241639"/>
-            <a:ext cx="4296491" cy="100703"/>
+            <a:off x="5853061" y="241640"/>
+            <a:ext cx="5092917" cy="100703"/>
           </a:xfrm>
         </p:spPr>
         <p:txBody>
@@ -1674,8 +1674,8 @@
         </p:nvSpPr>
         <p:spPr>
           <a:xfrm>
-            <a:off x="4937764" y="342341"/>
-            <a:ext cx="4296491" cy="621962"/>
+            <a:off x="5853061" y="342341"/>
+            <a:ext cx="5092917" cy="621962"/>
           </a:xfrm>
         </p:spPr>
         <p:txBody>
@@ -2067,8 +2067,8 @@
         </p:nvSpPr>
         <p:spPr>
           <a:xfrm>
-            <a:off x="486015" y="42982"/>
-            <a:ext cx="3197900" cy="182915"/>
+            <a:off x="576106" y="42983"/>
+            <a:ext cx="3790684" cy="182915"/>
           </a:xfrm>
         </p:spPr>
         <p:txBody>
@@ -2099,8 +2099,8 @@
         </p:nvSpPr>
         <p:spPr>
           <a:xfrm>
-            <a:off x="3800354" y="42982"/>
-            <a:ext cx="5433897" cy="921323"/>
+            <a:off x="4504813" y="42983"/>
+            <a:ext cx="6441160" cy="921323"/>
           </a:xfrm>
         </p:spPr>
         <p:txBody>
@@ -2184,8 +2184,8 @@
         </p:nvSpPr>
         <p:spPr>
           <a:xfrm>
-            <a:off x="486015" y="225898"/>
-            <a:ext cx="3197900" cy="738409"/>
+            <a:off x="576106" y="225899"/>
+            <a:ext cx="3790684" cy="738409"/>
           </a:xfrm>
         </p:spPr>
         <p:txBody>
@@ -2344,8 +2344,8 @@
         </p:nvSpPr>
         <p:spPr>
           <a:xfrm>
-            <a:off x="1905240" y="755650"/>
-            <a:ext cx="5832158" cy="89209"/>
+            <a:off x="2258408" y="755651"/>
+            <a:ext cx="6913245" cy="89209"/>
           </a:xfrm>
         </p:spPr>
         <p:txBody>
@@ -2376,8 +2376,8 @@
         </p:nvSpPr>
         <p:spPr>
           <a:xfrm>
-            <a:off x="1905240" y="96455"/>
-            <a:ext cx="5832158" cy="647700"/>
+            <a:off x="2258408" y="96455"/>
+            <a:ext cx="6913245" cy="647700"/>
           </a:xfrm>
         </p:spPr>
         <p:txBody>
@@ -2437,8 +2437,8 @@
         </p:nvSpPr>
         <p:spPr>
           <a:xfrm>
-            <a:off x="1905240" y="844860"/>
-            <a:ext cx="5832158" cy="126691"/>
+            <a:off x="2258408" y="844861"/>
+            <a:ext cx="6913245" cy="126691"/>
           </a:xfrm>
         </p:spPr>
         <p:txBody>
@@ -2602,8 +2602,8 @@
         </p:nvSpPr>
         <p:spPr>
           <a:xfrm>
-            <a:off x="486016" y="43230"/>
-            <a:ext cx="8748237" cy="179917"/>
+            <a:off x="576108" y="43231"/>
+            <a:ext cx="10369868" cy="179917"/>
           </a:xfrm>
           <a:prstGeom prst="rect">
             <a:avLst/>
@@ -2635,8 +2635,8 @@
         </p:nvSpPr>
         <p:spPr>
           <a:xfrm>
-            <a:off x="486016" y="251884"/>
-            <a:ext cx="8748237" cy="712420"/>
+            <a:off x="576108" y="251884"/>
+            <a:ext cx="10369868" cy="712420"/>
           </a:xfrm>
           <a:prstGeom prst="rect">
             <a:avLst/>
@@ -2697,8 +2697,8 @@
         </p:nvSpPr>
         <p:spPr>
           <a:xfrm>
-            <a:off x="486016" y="1000538"/>
-            <a:ext cx="2268061" cy="57473"/>
+            <a:off x="576108" y="1000539"/>
+            <a:ext cx="2688484" cy="57473"/>
           </a:xfrm>
           <a:prstGeom prst="rect">
             <a:avLst/>
@@ -2738,8 +2738,8 @@
         </p:nvSpPr>
         <p:spPr>
           <a:xfrm>
-            <a:off x="3321092" y="1000538"/>
-            <a:ext cx="3078083" cy="57473"/>
+            <a:off x="3936712" y="1000539"/>
+            <a:ext cx="3648657" cy="57473"/>
           </a:xfrm>
           <a:prstGeom prst="rect">
             <a:avLst/>
@@ -2775,8 +2775,8 @@
         </p:nvSpPr>
         <p:spPr>
           <a:xfrm>
-            <a:off x="6966192" y="1000538"/>
-            <a:ext cx="2268061" cy="57473"/>
+            <a:off x="8257492" y="1000539"/>
+            <a:ext cx="2688484" cy="57473"/>
           </a:xfrm>
           <a:prstGeom prst="rect">
             <a:avLst/>
@@ -3097,7 +3097,7 @@
       </p:grpSpPr>
       <p:pic>
         <p:nvPicPr>
-          <p:cNvPr id="11" name="Picture 10" descr="logo_uni2.jpg"/>
+          <p:cNvPr id="6" name="Picture 5" descr="logo_uni2.jpg"/>
           <p:cNvPicPr>
             <a:picLocks noChangeAspect="1"/>
           </p:cNvPicPr>
@@ -3117,7 +3117,7 @@
         </p:blipFill>
         <p:spPr>
           <a:xfrm>
-            <a:off x="7579185" y="47990"/>
+            <a:off x="7806293" y="48533"/>
             <a:ext cx="2132822" cy="946973"/>
           </a:xfrm>
           <a:prstGeom prst="rect">
@@ -3127,7 +3127,7 @@
       </p:pic>
       <p:pic>
         <p:nvPicPr>
-          <p:cNvPr id="12" name="Picture 11" descr="newcastle_master_col.jpg"/>
+          <p:cNvPr id="7" name="Picture 6" descr="newcastle_master_col.jpg"/>
           <p:cNvPicPr>
             <a:picLocks noChangeAspect="1"/>
           </p:cNvPicPr>
@@ -3147,7 +3147,7 @@
         </p:blipFill>
         <p:spPr>
           <a:xfrm>
-            <a:off x="4417116" y="65368"/>
+            <a:off x="4644224" y="65911"/>
             <a:ext cx="2774256" cy="974481"/>
           </a:xfrm>
           <a:prstGeom prst="rect">
@@ -3157,7 +3157,7 @@
       </p:pic>
       <p:pic>
         <p:nvPicPr>
-          <p:cNvPr id="13" name="Picture 12" descr="reading_logo.png"/>
+          <p:cNvPr id="8" name="Picture 7" descr="reading_logo.png"/>
           <p:cNvPicPr>
             <a:picLocks noChangeAspect="1"/>
           </p:cNvPicPr>
@@ -3177,7 +3177,7 @@
         </p:blipFill>
         <p:spPr>
           <a:xfrm>
-            <a:off x="1161164" y="-543"/>
+            <a:off x="1388272" y="0"/>
             <a:ext cx="2949917" cy="1073230"/>
           </a:xfrm>
           <a:prstGeom prst="rect">
@@ -3187,7 +3187,7 @@
       </p:pic>
       <p:pic>
         <p:nvPicPr>
-          <p:cNvPr id="14" name="Picture 13" descr="RResLogoR.jpg"/>
+          <p:cNvPr id="9" name="Picture 8" descr="RResLogoR.jpg"/>
           <p:cNvPicPr>
             <a:picLocks noChangeAspect="1"/>
           </p:cNvPicPr>
@@ -3207,8 +3207,38 @@
         </p:blipFill>
         <p:spPr>
           <a:xfrm>
-            <a:off x="-1" y="0"/>
+            <a:off x="60953" y="0"/>
             <a:ext cx="803925" cy="1079500"/>
+          </a:xfrm>
+          <a:prstGeom prst="rect">
+            <a:avLst/>
+          </a:prstGeom>
+        </p:spPr>
+      </p:pic>
+      <p:pic>
+        <p:nvPicPr>
+          <p:cNvPr id="2" name="Picture 1" descr="edinburgh_university_logo.jpg"/>
+          <p:cNvPicPr>
+            <a:picLocks noChangeAspect="1"/>
+          </p:cNvPicPr>
+          <p:nvPr/>
+        </p:nvPicPr>
+        <p:blipFill>
+          <a:blip r:embed="rId6">
+            <a:extLst>
+              <a:ext uri="{28A0092B-C50C-407E-A947-70E740481C1C}">
+                <a14:useLocalDpi xmlns:a14="http://schemas.microsoft.com/office/drawing/2010/main" val="0"/>
+              </a:ext>
+            </a:extLst>
+          </a:blip>
+          <a:stretch>
+            <a:fillRect/>
+          </a:stretch>
+        </p:blipFill>
+        <p:spPr>
+          <a:xfrm>
+            <a:off x="10361865" y="-39108"/>
+            <a:ext cx="1160210" cy="1079500"/>
           </a:xfrm>
           <a:prstGeom prst="rect">
             <a:avLst/>

--- a/_resources_raw/Universities_Logo.pptx
+++ b/_resources_raw/Universities_Logo.pptx
@@ -288,7 +288,7 @@
           <a:p>
             <a:fld id="{1571E649-7166-D344-9ADC-D5262CCE6E57}" type="datetimeFigureOut">
               <a:rPr lang="en-US" smtClean="0"/>
-              <a:t>11/06/2014</a:t>
+              <a:t>04/10/2014</a:t>
             </a:fld>
             <a:endParaRPr lang="en-US"/>
           </a:p>
@@ -458,7 +458,7 @@
           <a:p>
             <a:fld id="{1571E649-7166-D344-9ADC-D5262CCE6E57}" type="datetimeFigureOut">
               <a:rPr lang="en-US" smtClean="0"/>
-              <a:t>11/06/2014</a:t>
+              <a:t>04/10/2014</a:t>
             </a:fld>
             <a:endParaRPr lang="en-US"/>
           </a:p>
@@ -638,7 +638,7 @@
           <a:p>
             <a:fld id="{1571E649-7166-D344-9ADC-D5262CCE6E57}" type="datetimeFigureOut">
               <a:rPr lang="en-US" smtClean="0"/>
-              <a:t>11/06/2014</a:t>
+              <a:t>04/10/2014</a:t>
             </a:fld>
             <a:endParaRPr lang="en-US"/>
           </a:p>
@@ -808,7 +808,7 @@
           <a:p>
             <a:fld id="{1571E649-7166-D344-9ADC-D5262CCE6E57}" type="datetimeFigureOut">
               <a:rPr lang="en-US" smtClean="0"/>
-              <a:t>11/06/2014</a:t>
+              <a:t>04/10/2014</a:t>
             </a:fld>
             <a:endParaRPr lang="en-US"/>
           </a:p>
@@ -1054,7 +1054,7 @@
           <a:p>
             <a:fld id="{1571E649-7166-D344-9ADC-D5262CCE6E57}" type="datetimeFigureOut">
               <a:rPr lang="en-US" smtClean="0"/>
-              <a:t>11/06/2014</a:t>
+              <a:t>04/10/2014</a:t>
             </a:fld>
             <a:endParaRPr lang="en-US"/>
           </a:p>
@@ -1342,7 +1342,7 @@
           <a:p>
             <a:fld id="{1571E649-7166-D344-9ADC-D5262CCE6E57}" type="datetimeFigureOut">
               <a:rPr lang="en-US" smtClean="0"/>
-              <a:t>11/06/2014</a:t>
+              <a:t>04/10/2014</a:t>
             </a:fld>
             <a:endParaRPr lang="en-US"/>
           </a:p>
@@ -1764,7 +1764,7 @@
           <a:p>
             <a:fld id="{1571E649-7166-D344-9ADC-D5262CCE6E57}" type="datetimeFigureOut">
               <a:rPr lang="en-US" smtClean="0"/>
-              <a:t>11/06/2014</a:t>
+              <a:t>04/10/2014</a:t>
             </a:fld>
             <a:endParaRPr lang="en-US"/>
           </a:p>
@@ -1882,7 +1882,7 @@
           <a:p>
             <a:fld id="{1571E649-7166-D344-9ADC-D5262CCE6E57}" type="datetimeFigureOut">
               <a:rPr lang="en-US" smtClean="0"/>
-              <a:t>11/06/2014</a:t>
+              <a:t>04/10/2014</a:t>
             </a:fld>
             <a:endParaRPr lang="en-US"/>
           </a:p>
@@ -1977,7 +1977,7 @@
           <a:p>
             <a:fld id="{1571E649-7166-D344-9ADC-D5262CCE6E57}" type="datetimeFigureOut">
               <a:rPr lang="en-US" smtClean="0"/>
-              <a:t>11/06/2014</a:t>
+              <a:t>04/10/2014</a:t>
             </a:fld>
             <a:endParaRPr lang="en-US"/>
           </a:p>
@@ -2254,7 +2254,7 @@
           <a:p>
             <a:fld id="{1571E649-7166-D344-9ADC-D5262CCE6E57}" type="datetimeFigureOut">
               <a:rPr lang="en-US" smtClean="0"/>
-              <a:t>11/06/2014</a:t>
+              <a:t>04/10/2014</a:t>
             </a:fld>
             <a:endParaRPr lang="en-US"/>
           </a:p>
@@ -2507,7 +2507,7 @@
           <a:p>
             <a:fld id="{1571E649-7166-D344-9ADC-D5262CCE6E57}" type="datetimeFigureOut">
               <a:rPr lang="en-US" smtClean="0"/>
-              <a:t>11/06/2014</a:t>
+              <a:t>04/10/2014</a:t>
             </a:fld>
             <a:endParaRPr lang="en-US"/>
           </a:p>
@@ -2720,7 +2720,7 @@
           <a:p>
             <a:fld id="{1571E649-7166-D344-9ADC-D5262CCE6E57}" type="datetimeFigureOut">
               <a:rPr lang="en-US" smtClean="0"/>
-              <a:t>11/06/2014</a:t>
+              <a:t>04/10/2014</a:t>
             </a:fld>
             <a:endParaRPr lang="en-US"/>
           </a:p>
@@ -3117,7 +3117,7 @@
         </p:blipFill>
         <p:spPr>
           <a:xfrm>
-            <a:off x="7806293" y="48533"/>
+            <a:off x="7450709" y="48533"/>
             <a:ext cx="2132822" cy="946973"/>
           </a:xfrm>
           <a:prstGeom prst="rect">
@@ -3147,7 +3147,7 @@
         </p:blipFill>
         <p:spPr>
           <a:xfrm>
-            <a:off x="4644224" y="65911"/>
+            <a:off x="1545595" y="65911"/>
             <a:ext cx="2774256" cy="974481"/>
           </a:xfrm>
           <a:prstGeom prst="rect">
@@ -3157,7 +3157,7 @@
       </p:pic>
       <p:pic>
         <p:nvPicPr>
-          <p:cNvPr id="8" name="Picture 7" descr="reading_logo.png"/>
+          <p:cNvPr id="9" name="Picture 8" descr="RResLogoR.jpg"/>
           <p:cNvPicPr>
             <a:picLocks noChangeAspect="1"/>
           </p:cNvPicPr>
@@ -3177,8 +3177,8 @@
         </p:blipFill>
         <p:spPr>
           <a:xfrm>
-            <a:off x="1388272" y="0"/>
-            <a:ext cx="2949917" cy="1073230"/>
+            <a:off x="60953" y="18053"/>
+            <a:ext cx="803925" cy="1079500"/>
           </a:xfrm>
           <a:prstGeom prst="rect">
             <a:avLst/>
@@ -3187,7 +3187,7 @@
       </p:pic>
       <p:pic>
         <p:nvPicPr>
-          <p:cNvPr id="9" name="Picture 8" descr="RResLogoR.jpg"/>
+          <p:cNvPr id="2" name="Picture 1" descr="edinburgh_university_logo.jpg"/>
           <p:cNvPicPr>
             <a:picLocks noChangeAspect="1"/>
           </p:cNvPicPr>
@@ -3207,8 +3207,8 @@
         </p:blipFill>
         <p:spPr>
           <a:xfrm>
-            <a:off x="60953" y="0"/>
-            <a:ext cx="803925" cy="1079500"/>
+            <a:off x="10250876" y="-73379"/>
+            <a:ext cx="1240722" cy="1154411"/>
           </a:xfrm>
           <a:prstGeom prst="rect">
             <a:avLst/>
@@ -3217,7 +3217,7 @@
       </p:pic>
       <p:pic>
         <p:nvPicPr>
-          <p:cNvPr id="2" name="Picture 1" descr="edinburgh_university_logo.jpg"/>
+          <p:cNvPr id="5" name="Picture 4" descr="images.jpg"/>
           <p:cNvPicPr>
             <a:picLocks noChangeAspect="1"/>
           </p:cNvPicPr>
@@ -3237,8 +3237,8 @@
         </p:blipFill>
         <p:spPr>
           <a:xfrm>
-            <a:off x="10361865" y="-39108"/>
-            <a:ext cx="1160210" cy="1079500"/>
+            <a:off x="4828006" y="37092"/>
+            <a:ext cx="1908117" cy="1003300"/>
           </a:xfrm>
           <a:prstGeom prst="rect">
             <a:avLst/>
